--- a/doc/prezentace1/Prezentace.pptx
+++ b/doc/prezentace1/Prezentace.pptx
@@ -5,7 +5,7 @@
     <p:sldMasterId id="2147483671" r:id="rId1"/>
   </p:sldMasterIdLst>
   <p:notesMasterIdLst>
-    <p:notesMasterId r:id="rId7"/>
+    <p:notesMasterId r:id="rId8"/>
   </p:notesMasterIdLst>
   <p:sldIdLst>
     <p:sldId id="256" r:id="rId2"/>
@@ -13,6 +13,7 @@
     <p:sldId id="259" r:id="rId4"/>
     <p:sldId id="258" r:id="rId5"/>
     <p:sldId id="260" r:id="rId6"/>
+    <p:sldId id="262" r:id="rId7"/>
   </p:sldIdLst>
   <p:sldSz cx="12192000" cy="6858000"/>
   <p:notesSz cx="6858000" cy="9144000"/>
@@ -533,7 +534,7 @@
           <a:p>
             <a:fld id="{DBCA7E07-9A51-4CD2-A048-70717DD69079}" type="slidenum">
               <a:rPr lang="cs-CZ"/>
-              <a:t>‹#›</a:t>
+              <a:t>1</a:t>
             </a:fld>
             <a:endParaRPr lang="cs-CZ"/>
           </a:p>
@@ -617,7 +618,7 @@
           <a:p>
             <a:fld id="{DBCA7E07-9A51-4CD2-A048-70717DD69079}" type="slidenum">
               <a:rPr lang="cs-CZ"/>
-              <a:t>‹#›</a:t>
+              <a:t>2</a:t>
             </a:fld>
             <a:endParaRPr lang="cs-CZ"/>
           </a:p>
@@ -701,7 +702,7 @@
           <a:p>
             <a:fld id="{DBCA7E07-9A51-4CD2-A048-70717DD69079}" type="slidenum">
               <a:rPr lang="cs-CZ"/>
-              <a:t>‹#›</a:t>
+              <a:t>3</a:t>
             </a:fld>
             <a:endParaRPr lang="cs-CZ"/>
           </a:p>
@@ -785,7 +786,7 @@
           <a:p>
             <a:fld id="{DBCA7E07-9A51-4CD2-A048-70717DD69079}" type="slidenum">
               <a:rPr lang="cs-CZ"/>
-              <a:t>‹#›</a:t>
+              <a:t>4</a:t>
             </a:fld>
             <a:endParaRPr lang="cs-CZ"/>
           </a:p>
@@ -869,7 +870,7 @@
           <a:p>
             <a:fld id="{DBCA7E07-9A51-4CD2-A048-70717DD69079}" type="slidenum">
               <a:rPr lang="cs-CZ"/>
-              <a:t>‹#›</a:t>
+              <a:t>5</a:t>
             </a:fld>
             <a:endParaRPr lang="cs-CZ"/>
           </a:p>
@@ -879,6 +880,90 @@
     <p:extLst>
       <p:ext uri="{BB962C8B-B14F-4D97-AF65-F5344CB8AC3E}">
         <p14:creationId xmlns:p14="http://schemas.microsoft.com/office/powerpoint/2010/main" val="3503768921"/>
+      </p:ext>
+    </p:extLst>
+  </p:cSld>
+  <p:clrMapOvr>
+    <a:masterClrMapping/>
+  </p:clrMapOvr>
+</p:notes>
+</file>
+
+<file path=ppt/notesSlides/notesSlide6.xml><?xml version="1.0" encoding="utf-8"?>
+<p:notes xmlns:a="http://schemas.openxmlformats.org/drawingml/2006/main" xmlns:r="http://schemas.openxmlformats.org/officeDocument/2006/relationships" xmlns:p="http://schemas.openxmlformats.org/presentationml/2006/main">
+  <p:cSld>
+    <p:spTree>
+      <p:nvGrpSpPr>
+        <p:cNvPr id="1" name=""/>
+        <p:cNvGrpSpPr/>
+        <p:nvPr/>
+      </p:nvGrpSpPr>
+      <p:grpSpPr>
+        <a:xfrm>
+          <a:off x="0" y="0"/>
+          <a:ext cx="0" cy="0"/>
+          <a:chOff x="0" y="0"/>
+          <a:chExt cx="0" cy="0"/>
+        </a:xfrm>
+      </p:grpSpPr>
+      <p:sp>
+        <p:nvSpPr>
+          <p:cNvPr id="2" name="Slide Image Placeholder 1"/>
+          <p:cNvSpPr>
+            <a:spLocks noGrp="1" noRot="1" noChangeAspect="1"/>
+          </p:cNvSpPr>
+          <p:nvPr>
+            <p:ph type="sldImg"/>
+          </p:nvPr>
+        </p:nvSpPr>
+        <p:spPr/>
+      </p:sp>
+      <p:sp>
+        <p:nvSpPr>
+          <p:cNvPr id="3" name="Notes Placeholder 2"/>
+          <p:cNvSpPr>
+            <a:spLocks noGrp="1"/>
+          </p:cNvSpPr>
+          <p:nvPr>
+            <p:ph type="body" idx="1"/>
+          </p:nvPr>
+        </p:nvSpPr>
+        <p:spPr/>
+        <p:txBody>
+          <a:bodyPr/>
+          <a:lstStyle/>
+          <a:p>
+            <a:endParaRPr lang="en-US"/>
+          </a:p>
+        </p:txBody>
+      </p:sp>
+      <p:sp>
+        <p:nvSpPr>
+          <p:cNvPr id="4" name="Slide Number Placeholder 3"/>
+          <p:cNvSpPr>
+            <a:spLocks noGrp="1"/>
+          </p:cNvSpPr>
+          <p:nvPr>
+            <p:ph type="sldNum" sz="quarter" idx="10"/>
+          </p:nvPr>
+        </p:nvSpPr>
+        <p:spPr/>
+        <p:txBody>
+          <a:bodyPr/>
+          <a:lstStyle/>
+          <a:p>
+            <a:fld id="{DBCA7E07-9A51-4CD2-A048-70717DD69079}" type="slidenum">
+              <a:rPr lang="cs-CZ"/>
+              <a:t>‹#›</a:t>
+            </a:fld>
+            <a:endParaRPr lang="cs-CZ"/>
+          </a:p>
+        </p:txBody>
+      </p:sp>
+    </p:spTree>
+    <p:extLst>
+      <p:ext uri="{BB962C8B-B14F-4D97-AF65-F5344CB8AC3E}">
+        <p14:creationId xmlns:p14="http://schemas.microsoft.com/office/powerpoint/2010/main" val="2409176828"/>
       </p:ext>
     </p:extLst>
   </p:cSld>
@@ -7308,7 +7393,7 @@
               </a:rPr>
               <a:t>domáctností</a:t>
             </a:r>
-            <a:endParaRPr lang="cs-CZ" sz="2400" dirty="0">
+            <a:endParaRPr lang="en-US" sz="2400" dirty="0">
               <a:latin typeface="Century Gothic" charset="0"/>
             </a:endParaRPr>
           </a:p>
@@ -7384,6 +7469,141 @@
     <p:extLst>
       <p:ext uri="{BB962C8B-B14F-4D97-AF65-F5344CB8AC3E}">
         <p14:creationId xmlns:p14="http://schemas.microsoft.com/office/powerpoint/2010/main" val="3899582699"/>
+      </p:ext>
+    </p:extLst>
+  </p:cSld>
+  <p:clrMapOvr>
+    <a:masterClrMapping/>
+  </p:clrMapOvr>
+</p:sld>
+</file>
+
+<file path=ppt/slides/slide6.xml><?xml version="1.0" encoding="utf-8"?>
+<p:sld xmlns:a="http://schemas.openxmlformats.org/drawingml/2006/main" xmlns:r="http://schemas.openxmlformats.org/officeDocument/2006/relationships" xmlns:p="http://schemas.openxmlformats.org/presentationml/2006/main">
+  <p:cSld>
+    <p:spTree>
+      <p:nvGrpSpPr>
+        <p:cNvPr id="1" name=""/>
+        <p:cNvGrpSpPr/>
+        <p:nvPr/>
+      </p:nvGrpSpPr>
+      <p:grpSpPr>
+        <a:xfrm>
+          <a:off x="0" y="0"/>
+          <a:ext cx="0" cy="0"/>
+          <a:chOff x="0" y="0"/>
+          <a:chExt cx="0" cy="0"/>
+        </a:xfrm>
+      </p:grpSpPr>
+      <p:sp>
+        <p:nvSpPr>
+          <p:cNvPr id="2" name="Title 1"/>
+          <p:cNvSpPr>
+            <a:spLocks noGrp="1"/>
+          </p:cNvSpPr>
+          <p:nvPr>
+            <p:ph type="title"/>
+          </p:nvPr>
+        </p:nvSpPr>
+        <p:spPr/>
+        <p:txBody>
+          <a:bodyPr/>
+          <a:lstStyle/>
+          <a:p>
+            <a:r>
+              <a:rPr lang="en-US" dirty="0">
+                <a:latin typeface="Century Gothic" charset="0"/>
+              </a:rPr>
+              <a:t>Popis navrženého řešení </a:t>
+            </a:r>
+            <a:endParaRPr lang="en-US" dirty="0"/>
+          </a:p>
+        </p:txBody>
+      </p:sp>
+      <p:sp>
+        <p:nvSpPr>
+          <p:cNvPr id="3" name="Content Placeholder 2"/>
+          <p:cNvSpPr>
+            <a:spLocks noGrp="1"/>
+          </p:cNvSpPr>
+          <p:nvPr>
+            <p:ph idx="1"/>
+          </p:nvPr>
+        </p:nvSpPr>
+        <p:spPr>
+          <a:xfrm>
+            <a:off x="1103313" y="2052638"/>
+            <a:ext cx="7018473" cy="4195762"/>
+          </a:xfrm>
+        </p:spPr>
+        <p:txBody>
+          <a:bodyPr vert="horz" lIns="91440" tIns="45720" rIns="91440" bIns="45720" rtlCol="0" anchor="t">
+            <a:normAutofit/>
+          </a:bodyPr>
+          <a:lstStyle/>
+          <a:p>
+            <a:r>
+              <a:rPr lang="en-US" sz="2400" dirty="0"/>
+              <a:t>Modulární</a:t>
+            </a:r>
+          </a:p>
+          <a:p>
+            <a:endParaRPr lang="en-US" dirty="0"/>
+          </a:p>
+          <a:p>
+            <a:r>
+              <a:rPr lang="en-US" sz="2400" dirty="0">
+                <a:latin typeface="Century Gothic" charset="0"/>
+              </a:rPr>
+              <a:t>Složeno z 7 samostatných částí</a:t>
+            </a:r>
+            <a:endParaRPr lang="pl-PL" sz="2400" dirty="0">
+              <a:latin typeface="Century Gothic" charset="0"/>
+            </a:endParaRPr>
+          </a:p>
+          <a:p>
+            <a:endParaRPr lang="en-US" dirty="0">
+              <a:latin typeface="Century Gothic" charset="0"/>
+            </a:endParaRPr>
+          </a:p>
+          <a:p>
+            <a:r>
+              <a:rPr lang="en-US" sz="2400" dirty="0">
+                <a:latin typeface="Century Gothic" charset="0"/>
+              </a:rPr>
+              <a:t>Komunikace a řízení programu zajištěno aplikačním jádrem </a:t>
+            </a:r>
+          </a:p>
+        </p:txBody>
+      </p:sp>
+      <p:pic>
+        <p:nvPicPr>
+          <p:cNvPr id="4" name="Content Placeholder 4" descr="blockDiagram.jpg"/>
+          <p:cNvPicPr>
+            <a:picLocks noChangeAspect="1"/>
+          </p:cNvPicPr>
+          <p:nvPr/>
+        </p:nvPicPr>
+        <p:blipFill>
+          <a:blip r:embed="rId3"/>
+          <a:stretch>
+            <a:fillRect/>
+          </a:stretch>
+        </p:blipFill>
+        <p:spPr>
+          <a:xfrm>
+            <a:off x="8115435" y="1445964"/>
+            <a:ext cx="3758690" cy="4999329"/>
+          </a:xfrm>
+          <a:prstGeom prst="rect">
+            <a:avLst/>
+          </a:prstGeom>
+        </p:spPr>
+      </p:pic>
+    </p:spTree>
+    <p:extLst>
+      <p:ext uri="{BB962C8B-B14F-4D97-AF65-F5344CB8AC3E}">
+        <p14:creationId xmlns:p14="http://schemas.microsoft.com/office/powerpoint/2010/main" val="2837794717"/>
       </p:ext>
     </p:extLst>
   </p:cSld>
